--- a/HSS/Mangt/strategies.pptx
+++ b/HSS/Mangt/strategies.pptx
@@ -137,7 +137,7 @@
   </p:defaultTextStyle>
   <p:extLst>
     <p:ext uri="{EFAFB233-063F-42B5-8137-9DF3F51BA10A}">
-      <p15:sldGuideLst xmlns:p15="http://schemas.microsoft.com/office/powerpoint/2012/main" xmlns="">
+      <p15:sldGuideLst xmlns:p15="http://schemas.microsoft.com/office/powerpoint/2012/main">
         <p15:guide id="1" orient="horz" pos="2160">
           <p15:clr>
             <a:srgbClr val="A4A3A4"/>
@@ -2912,7 +2912,7 @@
             <a:fld id="{C36EEE3C-52C8-436C-B14E-8F7FA0CA2A81}" type="datetimeFigureOut">
               <a:rPr lang="en-IN" smtClean="0"/>
               <a:pPr/>
-              <a:t>14-09-2023</a:t>
+              <a:t>27-11-2023</a:t>
             </a:fld>
             <a:endParaRPr lang="en-IN" dirty="0"/>
           </a:p>
@@ -3197,7 +3197,7 @@
             <a:fld id="{C36EEE3C-52C8-436C-B14E-8F7FA0CA2A81}" type="datetimeFigureOut">
               <a:rPr lang="en-IN" smtClean="0"/>
               <a:pPr/>
-              <a:t>14-09-2023</a:t>
+              <a:t>27-11-2023</a:t>
             </a:fld>
             <a:endParaRPr lang="en-IN" dirty="0"/>
           </a:p>
@@ -3372,7 +3372,7 @@
             <a:fld id="{C36EEE3C-52C8-436C-B14E-8F7FA0CA2A81}" type="datetimeFigureOut">
               <a:rPr lang="en-IN" smtClean="0"/>
               <a:pPr/>
-              <a:t>14-09-2023</a:t>
+              <a:t>27-11-2023</a:t>
             </a:fld>
             <a:endParaRPr lang="en-IN" dirty="0"/>
           </a:p>
@@ -3538,7 +3538,7 @@
             <a:fld id="{C36EEE3C-52C8-436C-B14E-8F7FA0CA2A81}" type="datetimeFigureOut">
               <a:rPr lang="en-IN" smtClean="0"/>
               <a:pPr/>
-              <a:t>14-09-2023</a:t>
+              <a:t>27-11-2023</a:t>
             </a:fld>
             <a:endParaRPr lang="en-IN" dirty="0"/>
           </a:p>
@@ -3781,7 +3781,7 @@
             <a:fld id="{C36EEE3C-52C8-436C-B14E-8F7FA0CA2A81}" type="datetimeFigureOut">
               <a:rPr lang="en-IN" smtClean="0"/>
               <a:pPr/>
-              <a:t>14-09-2023</a:t>
+              <a:t>27-11-2023</a:t>
             </a:fld>
             <a:endParaRPr lang="en-IN" dirty="0"/>
           </a:p>
@@ -3895,7 +3895,7 @@
             <a:fld id="{C36EEE3C-52C8-436C-B14E-8F7FA0CA2A81}" type="datetimeFigureOut">
               <a:rPr lang="en-IN" smtClean="0"/>
               <a:pPr/>
-              <a:t>14-09-2023</a:t>
+              <a:t>27-11-2023</a:t>
             </a:fld>
             <a:endParaRPr lang="en-IN" dirty="0"/>
           </a:p>
@@ -4434,7 +4434,7 @@
             <a:fld id="{C36EEE3C-52C8-436C-B14E-8F7FA0CA2A81}" type="datetimeFigureOut">
               <a:rPr lang="en-IN" smtClean="0"/>
               <a:pPr/>
-              <a:t>14-09-2023</a:t>
+              <a:t>27-11-2023</a:t>
             </a:fld>
             <a:endParaRPr lang="en-IN" dirty="0"/>
           </a:p>
@@ -4548,7 +4548,7 @@
             <a:fld id="{C36EEE3C-52C8-436C-B14E-8F7FA0CA2A81}" type="datetimeFigureOut">
               <a:rPr lang="en-IN" smtClean="0"/>
               <a:pPr/>
-              <a:t>14-09-2023</a:t>
+              <a:t>27-11-2023</a:t>
             </a:fld>
             <a:endParaRPr lang="en-IN" dirty="0"/>
           </a:p>
@@ -4640,7 +4640,7 @@
             <a:fld id="{C36EEE3C-52C8-436C-B14E-8F7FA0CA2A81}" type="datetimeFigureOut">
               <a:rPr lang="en-IN" smtClean="0"/>
               <a:pPr/>
-              <a:t>14-09-2023</a:t>
+              <a:t>27-11-2023</a:t>
             </a:fld>
             <a:endParaRPr lang="en-IN" dirty="0"/>
           </a:p>
@@ -7293,7 +7293,7 @@
             <a:fld id="{C36EEE3C-52C8-436C-B14E-8F7FA0CA2A81}" type="datetimeFigureOut">
               <a:rPr lang="en-IN" smtClean="0"/>
               <a:pPr/>
-              <a:t>14-09-2023</a:t>
+              <a:t>27-11-2023</a:t>
             </a:fld>
             <a:endParaRPr lang="en-IN" dirty="0"/>
           </a:p>
@@ -10504,7 +10504,7 @@
             <a:fld id="{C36EEE3C-52C8-436C-B14E-8F7FA0CA2A81}" type="datetimeFigureOut">
               <a:rPr lang="en-IN" smtClean="0"/>
               <a:pPr/>
-              <a:t>14-09-2023</a:t>
+              <a:t>27-11-2023</a:t>
             </a:fld>
             <a:endParaRPr lang="en-IN" dirty="0"/>
           </a:p>
@@ -13328,7 +13328,7 @@
             <a:fld id="{C36EEE3C-52C8-436C-B14E-8F7FA0CA2A81}" type="datetimeFigureOut">
               <a:rPr lang="en-IN" smtClean="0"/>
               <a:pPr/>
-              <a:t>14-09-2023</a:t>
+              <a:t>27-11-2023</a:t>
             </a:fld>
             <a:endParaRPr lang="en-IN" dirty="0"/>
           </a:p>
@@ -13803,7 +13803,7 @@
           <a:lstStyle/>
           <a:p>
             <a:r>
-              <a:rPr lang="en-US" dirty="0" smtClean="0"/>
+              <a:rPr lang="en-US" dirty="0"/>
               <a:t>Strategy</a:t>
             </a:r>
             <a:endParaRPr lang="en-IN" dirty="0"/>
@@ -13836,7 +13836,7 @@
     </p:spTree>
     <p:extLst>
       <p:ext uri="{BB962C8B-B14F-4D97-AF65-F5344CB8AC3E}">
-        <p14:creationId xmlns:p14="http://schemas.microsoft.com/office/powerpoint/2010/main" xmlns="" val="2197995777"/>
+        <p14:creationId xmlns:p14="http://schemas.microsoft.com/office/powerpoint/2010/main" val="2197995777"/>
       </p:ext>
     </p:extLst>
   </p:cSld>
@@ -13868,7 +13868,7 @@
           <p:cNvPr id="1026" name="Picture 2" descr="PPT - TOWS Matrix PowerPoint Presentation, free download - ID:5660741">
             <a:extLst>
               <a:ext uri="{FF2B5EF4-FFF2-40B4-BE49-F238E27FC236}">
-                <a16:creationId xmlns="" xmlns:a16="http://schemas.microsoft.com/office/drawing/2014/main" id="{32307D1F-9879-E8E3-4552-06C6D3E6BFD1}"/>
+                <a16:creationId xmlns:a16="http://schemas.microsoft.com/office/drawing/2014/main" id="{32307D1F-9879-E8E3-4552-06C6D3E6BFD1}"/>
               </a:ext>
             </a:extLst>
           </p:cNvPr>
@@ -13883,7 +13883,7 @@
           <a:blip r:embed="rId2">
             <a:extLst>
               <a:ext uri="{28A0092B-C50C-407E-A947-70E740481C1C}">
-                <a14:useLocalDpi xmlns="" xmlns:a14="http://schemas.microsoft.com/office/drawing/2010/main" val="0"/>
+                <a14:useLocalDpi xmlns:a14="http://schemas.microsoft.com/office/drawing/2010/main" val="0"/>
               </a:ext>
             </a:extLst>
           </a:blip>
@@ -13903,7 +13903,7 @@
           <a:noFill/>
           <a:extLst>
             <a:ext uri="{909E8E84-426E-40DD-AFC4-6F175D3DCCD1}">
-              <a14:hiddenFill xmlns="" xmlns:a14="http://schemas.microsoft.com/office/drawing/2010/main">
+              <a14:hiddenFill xmlns:a14="http://schemas.microsoft.com/office/drawing/2010/main">
                 <a:solidFill>
                   <a:srgbClr val="FFFFFF"/>
                 </a:solidFill>
@@ -13915,7 +13915,7 @@
     </p:spTree>
     <p:extLst>
       <p:ext uri="{BB962C8B-B14F-4D97-AF65-F5344CB8AC3E}">
-        <p14:creationId xmlns="" xmlns:p14="http://schemas.microsoft.com/office/powerpoint/2010/main" val="953029557"/>
+        <p14:creationId xmlns:p14="http://schemas.microsoft.com/office/powerpoint/2010/main" val="953029557"/>
       </p:ext>
     </p:extLst>
   </p:cSld>
@@ -13947,7 +13947,7 @@
           <p:cNvPr id="2052" name="Picture 4" descr="The BCG Matrix chart (Marketing concept Stock Photo, Royalty Free Image ...">
             <a:extLst>
               <a:ext uri="{FF2B5EF4-FFF2-40B4-BE49-F238E27FC236}">
-                <a16:creationId xmlns="" xmlns:a16="http://schemas.microsoft.com/office/drawing/2014/main" id="{466544D8-9FB1-DB10-EB21-D49BDE57B1D3}"/>
+                <a16:creationId xmlns:a16="http://schemas.microsoft.com/office/drawing/2014/main" id="{466544D8-9FB1-DB10-EB21-D49BDE57B1D3}"/>
               </a:ext>
             </a:extLst>
           </p:cNvPr>
@@ -13960,7 +13960,7 @@
           <a:blip r:embed="rId2">
             <a:extLst>
               <a:ext uri="{28A0092B-C50C-407E-A947-70E740481C1C}">
-                <a14:useLocalDpi xmlns="" xmlns:a14="http://schemas.microsoft.com/office/drawing/2010/main" val="0"/>
+                <a14:useLocalDpi xmlns:a14="http://schemas.microsoft.com/office/drawing/2010/main" val="0"/>
               </a:ext>
             </a:extLst>
           </a:blip>
@@ -13978,7 +13978,7 @@
           <a:noFill/>
           <a:extLst>
             <a:ext uri="{909E8E84-426E-40DD-AFC4-6F175D3DCCD1}">
-              <a14:hiddenFill xmlns="" xmlns:a14="http://schemas.microsoft.com/office/drawing/2010/main">
+              <a14:hiddenFill xmlns:a14="http://schemas.microsoft.com/office/drawing/2010/main">
                 <a:solidFill>
                   <a:srgbClr val="FFFFFF"/>
                 </a:solidFill>
@@ -13990,7 +13990,7 @@
     </p:spTree>
     <p:extLst>
       <p:ext uri="{BB962C8B-B14F-4D97-AF65-F5344CB8AC3E}">
-        <p14:creationId xmlns="" xmlns:p14="http://schemas.microsoft.com/office/powerpoint/2010/main" val="868705100"/>
+        <p14:creationId xmlns:p14="http://schemas.microsoft.com/office/powerpoint/2010/main" val="868705100"/>
       </p:ext>
     </p:extLst>
   </p:cSld>
@@ -14041,7 +14041,7 @@
           <a:p>
             <a:pPr algn="ctr"/>
             <a:r>
-              <a:rPr lang="en-IN" b="1" dirty="0" smtClean="0"/>
+              <a:rPr lang="en-IN" b="1" dirty="0"/>
               <a:t>Strategic Assessment</a:t>
             </a:r>
             <a:endParaRPr lang="en-IN" dirty="0"/>
@@ -14080,15 +14080,15 @@
               <a:buNone/>
             </a:pPr>
             <a:r>
-              <a:rPr lang="en-IN" sz="1800" dirty="0" smtClean="0"/>
+              <a:rPr lang="en-IN" sz="1800" dirty="0"/>
               <a:t>c. </a:t>
             </a:r>
             <a:r>
-              <a:rPr lang="en-IN" sz="1800" b="1" dirty="0" smtClean="0"/>
+              <a:rPr lang="en-IN" sz="1800" b="1" dirty="0"/>
               <a:t>Strategic Direction </a:t>
             </a:r>
             <a:r>
-              <a:rPr lang="en-IN" sz="1800" dirty="0" smtClean="0"/>
+              <a:rPr lang="en-IN" sz="1800" dirty="0"/>
               <a:t>The information developed through techniques like SWOT is used to review the organisation's mission, set goals, develop strategic vision, and determine the most critical issues the organisation must address if it is going to achieve this vision. The objective of the strategic direction is to help ensure that the organisation's vision and goals:</a:t>
             </a:r>
           </a:p>
@@ -14104,7 +14104,7 @@
               <a:buChar char="Ø"/>
             </a:pPr>
             <a:r>
-              <a:rPr lang="en-IN" sz="1800" dirty="0" smtClean="0"/>
+              <a:rPr lang="en-IN" sz="1800" dirty="0"/>
               <a:t> are compatible with the organisation's capabilities and complement its culture, </a:t>
             </a:r>
           </a:p>
@@ -14120,7 +14120,7 @@
               <a:buChar char="Ø"/>
             </a:pPr>
             <a:r>
-              <a:rPr lang="en-IN" sz="1800" dirty="0" smtClean="0"/>
+              <a:rPr lang="en-IN" sz="1800" dirty="0"/>
               <a:t>foster commitment and cooperation among stakeholders; and </a:t>
             </a:r>
           </a:p>
@@ -14136,10 +14136,9 @@
               <a:buChar char="Ø"/>
             </a:pPr>
             <a:r>
-              <a:rPr lang="en-IN" sz="1800" dirty="0" smtClean="0"/>
+              <a:rPr lang="en-IN" sz="1800" dirty="0"/>
               <a:t>maximise the benefits inherent in environmental opportunities and minimise the risks inherent in environmental threats.</a:t>
             </a:r>
-            <a:endParaRPr lang="en-IN" sz="1800" dirty="0"/>
           </a:p>
         </p:txBody>
       </p:sp>
@@ -14180,7 +14179,7 @@
           <a:blip r:embed="rId2">
             <a:extLst>
               <a:ext uri="{28A0092B-C50C-407E-A947-70E740481C1C}">
-                <a14:useLocalDpi xmlns:a14="http://schemas.microsoft.com/office/drawing/2010/main" xmlns="" val="0"/>
+                <a14:useLocalDpi xmlns:a14="http://schemas.microsoft.com/office/drawing/2010/main" val="0"/>
               </a:ext>
             </a:extLst>
           </a:blip>
@@ -14204,14 +14203,14 @@
           <a:effectLst/>
           <a:extLst>
             <a:ext uri="{909E8E84-426E-40DD-AFC4-6F175D3DCCD1}">
-              <a14:hiddenFill xmlns:a14="http://schemas.microsoft.com/office/drawing/2010/main" xmlns="">
+              <a14:hiddenFill xmlns:a14="http://schemas.microsoft.com/office/drawing/2010/main">
                 <a:solidFill>
                   <a:schemeClr val="accent1"/>
                 </a:solidFill>
               </a14:hiddenFill>
             </a:ext>
             <a:ext uri="{91240B29-F687-4F45-9708-019B960494DF}">
-              <a14:hiddenLine xmlns:a14="http://schemas.microsoft.com/office/drawing/2010/main" xmlns="" w="9525">
+              <a14:hiddenLine xmlns:a14="http://schemas.microsoft.com/office/drawing/2010/main" w="9525">
                 <a:solidFill>
                   <a:schemeClr val="tx1"/>
                 </a:solidFill>
@@ -14221,7 +14220,7 @@
               </a14:hiddenLine>
             </a:ext>
             <a:ext uri="{AF507438-7753-43E0-B8FC-AC1667EBCBE1}">
-              <a14:hiddenEffects xmlns:a14="http://schemas.microsoft.com/office/drawing/2010/main" xmlns="">
+              <a14:hiddenEffects xmlns:a14="http://schemas.microsoft.com/office/drawing/2010/main">
                 <a:effectLst>
                   <a:outerShdw dist="35921" dir="2700000" algn="ctr" rotWithShape="0">
                     <a:schemeClr val="bg2"/>
@@ -14235,7 +14234,7 @@
     </p:spTree>
     <p:extLst>
       <p:ext uri="{BB962C8B-B14F-4D97-AF65-F5344CB8AC3E}">
-        <p14:creationId xmlns:p14="http://schemas.microsoft.com/office/powerpoint/2010/main" xmlns="" val="3275111847"/>
+        <p14:creationId xmlns:p14="http://schemas.microsoft.com/office/powerpoint/2010/main" val="3275111847"/>
       </p:ext>
     </p:extLst>
   </p:cSld>
@@ -14274,7 +14273,7 @@
           <a:blip r:embed="rId2">
             <a:extLst>
               <a:ext uri="{28A0092B-C50C-407E-A947-70E740481C1C}">
-                <a14:useLocalDpi xmlns:a14="http://schemas.microsoft.com/office/drawing/2010/main" xmlns="" val="0"/>
+                <a14:useLocalDpi xmlns:a14="http://schemas.microsoft.com/office/drawing/2010/main" val="0"/>
               </a:ext>
             </a:extLst>
           </a:blip>
@@ -14298,14 +14297,14 @@
           <a:effectLst/>
           <a:extLst>
             <a:ext uri="{909E8E84-426E-40DD-AFC4-6F175D3DCCD1}">
-              <a14:hiddenFill xmlns:a14="http://schemas.microsoft.com/office/drawing/2010/main" xmlns="">
+              <a14:hiddenFill xmlns:a14="http://schemas.microsoft.com/office/drawing/2010/main">
                 <a:solidFill>
                   <a:schemeClr val="accent1"/>
                 </a:solidFill>
               </a14:hiddenFill>
             </a:ext>
             <a:ext uri="{91240B29-F687-4F45-9708-019B960494DF}">
-              <a14:hiddenLine xmlns:a14="http://schemas.microsoft.com/office/drawing/2010/main" xmlns="" w="9525">
+              <a14:hiddenLine xmlns:a14="http://schemas.microsoft.com/office/drawing/2010/main" w="9525">
                 <a:solidFill>
                   <a:schemeClr val="tx1"/>
                 </a:solidFill>
@@ -14315,7 +14314,7 @@
               </a14:hiddenLine>
             </a:ext>
             <a:ext uri="{AF507438-7753-43E0-B8FC-AC1667EBCBE1}">
-              <a14:hiddenEffects xmlns:a14="http://schemas.microsoft.com/office/drawing/2010/main" xmlns="">
+              <a14:hiddenEffects xmlns:a14="http://schemas.microsoft.com/office/drawing/2010/main">
                 <a:effectLst>
                   <a:outerShdw dist="35921" dir="2700000" algn="ctr" rotWithShape="0">
                     <a:schemeClr val="bg2"/>
@@ -14329,7 +14328,7 @@
     </p:spTree>
     <p:extLst>
       <p:ext uri="{BB962C8B-B14F-4D97-AF65-F5344CB8AC3E}">
-        <p14:creationId xmlns:p14="http://schemas.microsoft.com/office/powerpoint/2010/main" xmlns="" val="2126105093"/>
+        <p14:creationId xmlns:p14="http://schemas.microsoft.com/office/powerpoint/2010/main" val="2126105093"/>
       </p:ext>
     </p:extLst>
   </p:cSld>
@@ -14368,7 +14367,7 @@
           <a:blip r:embed="rId2">
             <a:extLst>
               <a:ext uri="{28A0092B-C50C-407E-A947-70E740481C1C}">
-                <a14:useLocalDpi xmlns:a14="http://schemas.microsoft.com/office/drawing/2010/main" xmlns="" val="0"/>
+                <a14:useLocalDpi xmlns:a14="http://schemas.microsoft.com/office/drawing/2010/main" val="0"/>
               </a:ext>
             </a:extLst>
           </a:blip>
@@ -14392,14 +14391,14 @@
           <a:effectLst/>
           <a:extLst>
             <a:ext uri="{909E8E84-426E-40DD-AFC4-6F175D3DCCD1}">
-              <a14:hiddenFill xmlns:a14="http://schemas.microsoft.com/office/drawing/2010/main" xmlns="">
+              <a14:hiddenFill xmlns:a14="http://schemas.microsoft.com/office/drawing/2010/main">
                 <a:solidFill>
                   <a:schemeClr val="accent1"/>
                 </a:solidFill>
               </a14:hiddenFill>
             </a:ext>
             <a:ext uri="{91240B29-F687-4F45-9708-019B960494DF}">
-              <a14:hiddenLine xmlns:a14="http://schemas.microsoft.com/office/drawing/2010/main" xmlns="" w="9525">
+              <a14:hiddenLine xmlns:a14="http://schemas.microsoft.com/office/drawing/2010/main" w="9525">
                 <a:solidFill>
                   <a:schemeClr val="tx1"/>
                 </a:solidFill>
@@ -14409,7 +14408,7 @@
               </a14:hiddenLine>
             </a:ext>
             <a:ext uri="{AF507438-7753-43E0-B8FC-AC1667EBCBE1}">
-              <a14:hiddenEffects xmlns:a14="http://schemas.microsoft.com/office/drawing/2010/main" xmlns="">
+              <a14:hiddenEffects xmlns:a14="http://schemas.microsoft.com/office/drawing/2010/main">
                 <a:effectLst>
                   <a:outerShdw dist="35921" dir="2700000" algn="ctr" rotWithShape="0">
                     <a:schemeClr val="bg2"/>
@@ -14423,7 +14422,7 @@
     </p:spTree>
     <p:extLst>
       <p:ext uri="{BB962C8B-B14F-4D97-AF65-F5344CB8AC3E}">
-        <p14:creationId xmlns:p14="http://schemas.microsoft.com/office/powerpoint/2010/main" xmlns="" val="3918927700"/>
+        <p14:creationId xmlns:p14="http://schemas.microsoft.com/office/powerpoint/2010/main" val="3918927700"/>
       </p:ext>
     </p:extLst>
   </p:cSld>
@@ -14615,7 +14614,7 @@
           <a:blip r:embed="rId2">
             <a:extLst>
               <a:ext uri="{28A0092B-C50C-407E-A947-70E740481C1C}">
-                <a14:useLocalDpi xmlns:a14="http://schemas.microsoft.com/office/drawing/2010/main" xmlns="" val="0"/>
+                <a14:useLocalDpi xmlns:a14="http://schemas.microsoft.com/office/drawing/2010/main" val="0"/>
               </a:ext>
             </a:extLst>
           </a:blip>
@@ -14639,14 +14638,14 @@
           <a:effectLst/>
           <a:extLst>
             <a:ext uri="{909E8E84-426E-40DD-AFC4-6F175D3DCCD1}">
-              <a14:hiddenFill xmlns:a14="http://schemas.microsoft.com/office/drawing/2010/main" xmlns="">
+              <a14:hiddenFill xmlns:a14="http://schemas.microsoft.com/office/drawing/2010/main">
                 <a:solidFill>
                   <a:schemeClr val="accent1"/>
                 </a:solidFill>
               </a14:hiddenFill>
             </a:ext>
             <a:ext uri="{91240B29-F687-4F45-9708-019B960494DF}">
-              <a14:hiddenLine xmlns:a14="http://schemas.microsoft.com/office/drawing/2010/main" xmlns="" w="9525">
+              <a14:hiddenLine xmlns:a14="http://schemas.microsoft.com/office/drawing/2010/main" w="9525">
                 <a:solidFill>
                   <a:schemeClr val="tx1"/>
                 </a:solidFill>
@@ -14656,7 +14655,7 @@
               </a14:hiddenLine>
             </a:ext>
             <a:ext uri="{AF507438-7753-43E0-B8FC-AC1667EBCBE1}">
-              <a14:hiddenEffects xmlns:a14="http://schemas.microsoft.com/office/drawing/2010/main" xmlns="">
+              <a14:hiddenEffects xmlns:a14="http://schemas.microsoft.com/office/drawing/2010/main">
                 <a:effectLst>
                   <a:outerShdw dist="35921" dir="2700000" algn="ctr" rotWithShape="0">
                     <a:schemeClr val="bg2"/>
@@ -14670,7 +14669,7 @@
     </p:spTree>
     <p:extLst>
       <p:ext uri="{BB962C8B-B14F-4D97-AF65-F5344CB8AC3E}">
-        <p14:creationId xmlns:p14="http://schemas.microsoft.com/office/powerpoint/2010/main" xmlns="" val="3817686166"/>
+        <p14:creationId xmlns:p14="http://schemas.microsoft.com/office/powerpoint/2010/main" val="3817686166"/>
       </p:ext>
     </p:extLst>
   </p:cSld>
@@ -14747,7 +14746,7 @@
           <a:blip r:embed="rId2">
             <a:extLst>
               <a:ext uri="{28A0092B-C50C-407E-A947-70E740481C1C}">
-                <a14:useLocalDpi xmlns:a14="http://schemas.microsoft.com/office/drawing/2010/main" xmlns="" val="0"/>
+                <a14:useLocalDpi xmlns:a14="http://schemas.microsoft.com/office/drawing/2010/main" val="0"/>
               </a:ext>
             </a:extLst>
           </a:blip>
@@ -14771,14 +14770,14 @@
           <a:effectLst/>
           <a:extLst>
             <a:ext uri="{909E8E84-426E-40DD-AFC4-6F175D3DCCD1}">
-              <a14:hiddenFill xmlns:a14="http://schemas.microsoft.com/office/drawing/2010/main" xmlns="">
+              <a14:hiddenFill xmlns:a14="http://schemas.microsoft.com/office/drawing/2010/main">
                 <a:solidFill>
                   <a:schemeClr val="accent1"/>
                 </a:solidFill>
               </a14:hiddenFill>
             </a:ext>
             <a:ext uri="{91240B29-F687-4F45-9708-019B960494DF}">
-              <a14:hiddenLine xmlns:a14="http://schemas.microsoft.com/office/drawing/2010/main" xmlns="" w="9525">
+              <a14:hiddenLine xmlns:a14="http://schemas.microsoft.com/office/drawing/2010/main" w="9525">
                 <a:solidFill>
                   <a:schemeClr val="tx1"/>
                 </a:solidFill>
@@ -14788,7 +14787,7 @@
               </a14:hiddenLine>
             </a:ext>
             <a:ext uri="{AF507438-7753-43E0-B8FC-AC1667EBCBE1}">
-              <a14:hiddenEffects xmlns:a14="http://schemas.microsoft.com/office/drawing/2010/main" xmlns="">
+              <a14:hiddenEffects xmlns:a14="http://schemas.microsoft.com/office/drawing/2010/main">
                 <a:effectLst>
                   <a:outerShdw dist="35921" dir="2700000" algn="ctr" rotWithShape="0">
                     <a:schemeClr val="bg2"/>
@@ -14802,7 +14801,7 @@
     </p:spTree>
     <p:extLst>
       <p:ext uri="{BB962C8B-B14F-4D97-AF65-F5344CB8AC3E}">
-        <p14:creationId xmlns:p14="http://schemas.microsoft.com/office/powerpoint/2010/main" xmlns="" val="382708776"/>
+        <p14:creationId xmlns:p14="http://schemas.microsoft.com/office/powerpoint/2010/main" val="382708776"/>
       </p:ext>
     </p:extLst>
   </p:cSld>
@@ -14841,7 +14840,7 @@
           <a:blip r:embed="rId2">
             <a:extLst>
               <a:ext uri="{28A0092B-C50C-407E-A947-70E740481C1C}">
-                <a14:useLocalDpi xmlns:a14="http://schemas.microsoft.com/office/drawing/2010/main" xmlns="" val="0"/>
+                <a14:useLocalDpi xmlns:a14="http://schemas.microsoft.com/office/drawing/2010/main" val="0"/>
               </a:ext>
             </a:extLst>
           </a:blip>
@@ -14865,14 +14864,14 @@
           <a:effectLst/>
           <a:extLst>
             <a:ext uri="{909E8E84-426E-40DD-AFC4-6F175D3DCCD1}">
-              <a14:hiddenFill xmlns:a14="http://schemas.microsoft.com/office/drawing/2010/main" xmlns="">
+              <a14:hiddenFill xmlns:a14="http://schemas.microsoft.com/office/drawing/2010/main">
                 <a:solidFill>
                   <a:schemeClr val="accent1"/>
                 </a:solidFill>
               </a14:hiddenFill>
             </a:ext>
             <a:ext uri="{91240B29-F687-4F45-9708-019B960494DF}">
-              <a14:hiddenLine xmlns:a14="http://schemas.microsoft.com/office/drawing/2010/main" xmlns="" w="9525">
+              <a14:hiddenLine xmlns:a14="http://schemas.microsoft.com/office/drawing/2010/main" w="9525">
                 <a:solidFill>
                   <a:schemeClr val="tx1"/>
                 </a:solidFill>
@@ -14882,7 +14881,7 @@
               </a14:hiddenLine>
             </a:ext>
             <a:ext uri="{AF507438-7753-43E0-B8FC-AC1667EBCBE1}">
-              <a14:hiddenEffects xmlns:a14="http://schemas.microsoft.com/office/drawing/2010/main" xmlns="">
+              <a14:hiddenEffects xmlns:a14="http://schemas.microsoft.com/office/drawing/2010/main">
                 <a:effectLst>
                   <a:outerShdw dist="35921" dir="2700000" algn="ctr" rotWithShape="0">
                     <a:schemeClr val="bg2"/>
@@ -14896,7 +14895,7 @@
     </p:spTree>
     <p:extLst>
       <p:ext uri="{BB962C8B-B14F-4D97-AF65-F5344CB8AC3E}">
-        <p14:creationId xmlns:p14="http://schemas.microsoft.com/office/powerpoint/2010/main" xmlns="" val="2410726329"/>
+        <p14:creationId xmlns:p14="http://schemas.microsoft.com/office/powerpoint/2010/main" val="2410726329"/>
       </p:ext>
     </p:extLst>
   </p:cSld>
@@ -14928,7 +14927,7 @@
           <p:cNvPr id="2" name="Title 1">
             <a:extLst>
               <a:ext uri="{FF2B5EF4-FFF2-40B4-BE49-F238E27FC236}">
-                <a16:creationId xmlns:a16="http://schemas.microsoft.com/office/drawing/2014/main" xmlns="" id="{0F8B3617-3641-A4D6-8667-898B962F6EDD}"/>
+                <a16:creationId xmlns:a16="http://schemas.microsoft.com/office/drawing/2014/main" id="{0F8B3617-3641-A4D6-8667-898B962F6EDD}"/>
               </a:ext>
             </a:extLst>
           </p:cNvPr>
@@ -14962,7 +14961,7 @@
           <p:cNvPr id="3" name="Content Placeholder 2">
             <a:extLst>
               <a:ext uri="{FF2B5EF4-FFF2-40B4-BE49-F238E27FC236}">
-                <a16:creationId xmlns:a16="http://schemas.microsoft.com/office/drawing/2014/main" xmlns="" id="{2A75C285-58E8-3573-31A8-DF89C4920767}"/>
+                <a16:creationId xmlns:a16="http://schemas.microsoft.com/office/drawing/2014/main" id="{2A75C285-58E8-3573-31A8-DF89C4920767}"/>
               </a:ext>
             </a:extLst>
           </p:cNvPr>
@@ -15112,7 +15111,7 @@
     </p:spTree>
     <p:extLst>
       <p:ext uri="{BB962C8B-B14F-4D97-AF65-F5344CB8AC3E}">
-        <p14:creationId xmlns:p14="http://schemas.microsoft.com/office/powerpoint/2010/main" xmlns="" val="679987784"/>
+        <p14:creationId xmlns:p14="http://schemas.microsoft.com/office/powerpoint/2010/main" val="679987784"/>
       </p:ext>
     </p:extLst>
   </p:cSld>
@@ -15151,7 +15150,7 @@
           <a:blip r:embed="rId2">
             <a:extLst>
               <a:ext uri="{28A0092B-C50C-407E-A947-70E740481C1C}">
-                <a14:useLocalDpi xmlns:a14="http://schemas.microsoft.com/office/drawing/2010/main" xmlns="" val="0"/>
+                <a14:useLocalDpi xmlns:a14="http://schemas.microsoft.com/office/drawing/2010/main" val="0"/>
               </a:ext>
             </a:extLst>
           </a:blip>
@@ -15175,14 +15174,14 @@
           <a:effectLst/>
           <a:extLst>
             <a:ext uri="{909E8E84-426E-40DD-AFC4-6F175D3DCCD1}">
-              <a14:hiddenFill xmlns:a14="http://schemas.microsoft.com/office/drawing/2010/main" xmlns="">
+              <a14:hiddenFill xmlns:a14="http://schemas.microsoft.com/office/drawing/2010/main">
                 <a:solidFill>
                   <a:schemeClr val="accent1"/>
                 </a:solidFill>
               </a14:hiddenFill>
             </a:ext>
             <a:ext uri="{91240B29-F687-4F45-9708-019B960494DF}">
-              <a14:hiddenLine xmlns:a14="http://schemas.microsoft.com/office/drawing/2010/main" xmlns="" w="9525">
+              <a14:hiddenLine xmlns:a14="http://schemas.microsoft.com/office/drawing/2010/main" w="9525">
                 <a:solidFill>
                   <a:schemeClr val="tx1"/>
                 </a:solidFill>
@@ -15192,7 +15191,7 @@
               </a14:hiddenLine>
             </a:ext>
             <a:ext uri="{AF507438-7753-43E0-B8FC-AC1667EBCBE1}">
-              <a14:hiddenEffects xmlns:a14="http://schemas.microsoft.com/office/drawing/2010/main" xmlns="">
+              <a14:hiddenEffects xmlns:a14="http://schemas.microsoft.com/office/drawing/2010/main">
                 <a:effectLst>
                   <a:outerShdw dist="35921" dir="2700000" algn="ctr" rotWithShape="0">
                     <a:schemeClr val="bg2"/>
@@ -15206,7 +15205,7 @@
     </p:spTree>
     <p:extLst>
       <p:ext uri="{BB962C8B-B14F-4D97-AF65-F5344CB8AC3E}">
-        <p14:creationId xmlns:p14="http://schemas.microsoft.com/office/powerpoint/2010/main" xmlns="" val="1437837407"/>
+        <p14:creationId xmlns:p14="http://schemas.microsoft.com/office/powerpoint/2010/main" val="1437837407"/>
       </p:ext>
     </p:extLst>
   </p:cSld>
@@ -15245,7 +15244,7 @@
           <a:blip r:embed="rId2">
             <a:extLst>
               <a:ext uri="{28A0092B-C50C-407E-A947-70E740481C1C}">
-                <a14:useLocalDpi xmlns:a14="http://schemas.microsoft.com/office/drawing/2010/main" xmlns="" val="0"/>
+                <a14:useLocalDpi xmlns:a14="http://schemas.microsoft.com/office/drawing/2010/main" val="0"/>
               </a:ext>
             </a:extLst>
           </a:blip>
@@ -15269,14 +15268,14 @@
           <a:effectLst/>
           <a:extLst>
             <a:ext uri="{909E8E84-426E-40DD-AFC4-6F175D3DCCD1}">
-              <a14:hiddenFill xmlns:a14="http://schemas.microsoft.com/office/drawing/2010/main" xmlns="">
+              <a14:hiddenFill xmlns:a14="http://schemas.microsoft.com/office/drawing/2010/main">
                 <a:solidFill>
                   <a:schemeClr val="accent1"/>
                 </a:solidFill>
               </a14:hiddenFill>
             </a:ext>
             <a:ext uri="{91240B29-F687-4F45-9708-019B960494DF}">
-              <a14:hiddenLine xmlns:a14="http://schemas.microsoft.com/office/drawing/2010/main" xmlns="" w="9525">
+              <a14:hiddenLine xmlns:a14="http://schemas.microsoft.com/office/drawing/2010/main" w="9525">
                 <a:solidFill>
                   <a:schemeClr val="tx1"/>
                 </a:solidFill>
@@ -15286,7 +15285,7 @@
               </a14:hiddenLine>
             </a:ext>
             <a:ext uri="{AF507438-7753-43E0-B8FC-AC1667EBCBE1}">
-              <a14:hiddenEffects xmlns:a14="http://schemas.microsoft.com/office/drawing/2010/main" xmlns="">
+              <a14:hiddenEffects xmlns:a14="http://schemas.microsoft.com/office/drawing/2010/main">
                 <a:effectLst>
                   <a:outerShdw dist="35921" dir="2700000" algn="ctr" rotWithShape="0">
                     <a:schemeClr val="bg2"/>
@@ -15300,7 +15299,7 @@
     </p:spTree>
     <p:extLst>
       <p:ext uri="{BB962C8B-B14F-4D97-AF65-F5344CB8AC3E}">
-        <p14:creationId xmlns:p14="http://schemas.microsoft.com/office/powerpoint/2010/main" xmlns="" val="3067785058"/>
+        <p14:creationId xmlns:p14="http://schemas.microsoft.com/office/powerpoint/2010/main" val="3067785058"/>
       </p:ext>
     </p:extLst>
   </p:cSld>
@@ -15339,7 +15338,7 @@
           <a:blip r:embed="rId2">
             <a:extLst>
               <a:ext uri="{28A0092B-C50C-407E-A947-70E740481C1C}">
-                <a14:useLocalDpi xmlns:a14="http://schemas.microsoft.com/office/drawing/2010/main" xmlns="" val="0"/>
+                <a14:useLocalDpi xmlns:a14="http://schemas.microsoft.com/office/drawing/2010/main" val="0"/>
               </a:ext>
             </a:extLst>
           </a:blip>
@@ -15363,14 +15362,14 @@
           <a:effectLst/>
           <a:extLst>
             <a:ext uri="{909E8E84-426E-40DD-AFC4-6F175D3DCCD1}">
-              <a14:hiddenFill xmlns:a14="http://schemas.microsoft.com/office/drawing/2010/main" xmlns="">
+              <a14:hiddenFill xmlns:a14="http://schemas.microsoft.com/office/drawing/2010/main">
                 <a:solidFill>
                   <a:schemeClr val="accent1"/>
                 </a:solidFill>
               </a14:hiddenFill>
             </a:ext>
             <a:ext uri="{91240B29-F687-4F45-9708-019B960494DF}">
-              <a14:hiddenLine xmlns:a14="http://schemas.microsoft.com/office/drawing/2010/main" xmlns="" w="9525">
+              <a14:hiddenLine xmlns:a14="http://schemas.microsoft.com/office/drawing/2010/main" w="9525">
                 <a:solidFill>
                   <a:schemeClr val="tx1"/>
                 </a:solidFill>
@@ -15380,7 +15379,7 @@
               </a14:hiddenLine>
             </a:ext>
             <a:ext uri="{AF507438-7753-43E0-B8FC-AC1667EBCBE1}">
-              <a14:hiddenEffects xmlns:a14="http://schemas.microsoft.com/office/drawing/2010/main" xmlns="">
+              <a14:hiddenEffects xmlns:a14="http://schemas.microsoft.com/office/drawing/2010/main">
                 <a:effectLst>
                   <a:outerShdw dist="35921" dir="2700000" algn="ctr" rotWithShape="0">
                     <a:schemeClr val="bg2"/>
@@ -15394,7 +15393,7 @@
     </p:spTree>
     <p:extLst>
       <p:ext uri="{BB962C8B-B14F-4D97-AF65-F5344CB8AC3E}">
-        <p14:creationId xmlns:p14="http://schemas.microsoft.com/office/powerpoint/2010/main" xmlns="" val="2609359811"/>
+        <p14:creationId xmlns:p14="http://schemas.microsoft.com/office/powerpoint/2010/main" val="2609359811"/>
       </p:ext>
     </p:extLst>
   </p:cSld>
@@ -15426,7 +15425,7 @@
           <p:cNvPr id="2" name="Title 1">
             <a:extLst>
               <a:ext uri="{FF2B5EF4-FFF2-40B4-BE49-F238E27FC236}">
-                <a16:creationId xmlns:a16="http://schemas.microsoft.com/office/drawing/2014/main" xmlns="" id="{1059E68D-C157-CFDE-4A2C-10D86C42EBCD}"/>
+                <a16:creationId xmlns:a16="http://schemas.microsoft.com/office/drawing/2014/main" id="{1059E68D-C157-CFDE-4A2C-10D86C42EBCD}"/>
               </a:ext>
             </a:extLst>
           </p:cNvPr>
@@ -15462,7 +15461,7 @@
           <p:cNvPr id="3" name="Picture 2">
             <a:extLst>
               <a:ext uri="{FF2B5EF4-FFF2-40B4-BE49-F238E27FC236}">
-                <a16:creationId xmlns:a16="http://schemas.microsoft.com/office/drawing/2014/main" xmlns="" id="{E1EA4329-FBBA-324E-DF39-7F44AC1308CD}"/>
+                <a16:creationId xmlns:a16="http://schemas.microsoft.com/office/drawing/2014/main" id="{E1EA4329-FBBA-324E-DF39-7F44AC1308CD}"/>
               </a:ext>
             </a:extLst>
           </p:cNvPr>
@@ -15475,7 +15474,7 @@
           <a:blip r:embed="rId2">
             <a:extLst>
               <a:ext uri="{28A0092B-C50C-407E-A947-70E740481C1C}">
-                <a14:useLocalDpi xmlns:a14="http://schemas.microsoft.com/office/drawing/2010/main" xmlns="" val="0"/>
+                <a14:useLocalDpi xmlns:a14="http://schemas.microsoft.com/office/drawing/2010/main" val="0"/>
               </a:ext>
             </a:extLst>
           </a:blip>
@@ -15497,14 +15496,14 @@
           <a:effectLst/>
           <a:extLst>
             <a:ext uri="{909E8E84-426E-40DD-AFC4-6F175D3DCCD1}">
-              <a14:hiddenFill xmlns:a14="http://schemas.microsoft.com/office/drawing/2010/main" xmlns="">
+              <a14:hiddenFill xmlns:a14="http://schemas.microsoft.com/office/drawing/2010/main">
                 <a:solidFill>
                   <a:schemeClr val="accent1"/>
                 </a:solidFill>
               </a14:hiddenFill>
             </a:ext>
             <a:ext uri="{91240B29-F687-4F45-9708-019B960494DF}">
-              <a14:hiddenLine xmlns:a14="http://schemas.microsoft.com/office/drawing/2010/main" xmlns="" w="9525">
+              <a14:hiddenLine xmlns:a14="http://schemas.microsoft.com/office/drawing/2010/main" w="9525">
                 <a:solidFill>
                   <a:schemeClr val="tx1"/>
                 </a:solidFill>
@@ -15514,7 +15513,7 @@
               </a14:hiddenLine>
             </a:ext>
             <a:ext uri="{AF507438-7753-43E0-B8FC-AC1667EBCBE1}">
-              <a14:hiddenEffects xmlns:a14="http://schemas.microsoft.com/office/drawing/2010/main" xmlns="">
+              <a14:hiddenEffects xmlns:a14="http://schemas.microsoft.com/office/drawing/2010/main">
                 <a:effectLst>
                   <a:outerShdw dist="35921" dir="2700000" algn="ctr" rotWithShape="0">
                     <a:schemeClr val="bg2"/>
@@ -15528,7 +15527,7 @@
     </p:spTree>
     <p:extLst>
       <p:ext uri="{BB962C8B-B14F-4D97-AF65-F5344CB8AC3E}">
-        <p14:creationId xmlns:p14="http://schemas.microsoft.com/office/powerpoint/2010/main" xmlns="" val="3013516557"/>
+        <p14:creationId xmlns:p14="http://schemas.microsoft.com/office/powerpoint/2010/main" val="3013516557"/>
       </p:ext>
     </p:extLst>
   </p:cSld>
@@ -15567,7 +15566,7 @@
           <a:blip r:embed="rId2">
             <a:extLst>
               <a:ext uri="{28A0092B-C50C-407E-A947-70E740481C1C}">
-                <a14:useLocalDpi xmlns:a14="http://schemas.microsoft.com/office/drawing/2010/main" xmlns="" val="0"/>
+                <a14:useLocalDpi xmlns:a14="http://schemas.microsoft.com/office/drawing/2010/main" val="0"/>
               </a:ext>
             </a:extLst>
           </a:blip>
@@ -15578,7 +15577,7 @@
         </p:blipFill>
         <p:spPr bwMode="auto">
           <a:xfrm>
-            <a:off x="368618" y="379190"/>
+            <a:off x="368618" y="188640"/>
             <a:ext cx="8332470" cy="6008185"/>
           </a:xfrm>
           <a:prstGeom prst="rect">
@@ -15591,14 +15590,14 @@
           <a:effectLst/>
           <a:extLst>
             <a:ext uri="{909E8E84-426E-40DD-AFC4-6F175D3DCCD1}">
-              <a14:hiddenFill xmlns:a14="http://schemas.microsoft.com/office/drawing/2010/main" xmlns="">
+              <a14:hiddenFill xmlns:a14="http://schemas.microsoft.com/office/drawing/2010/main">
                 <a:solidFill>
                   <a:schemeClr val="accent1"/>
                 </a:solidFill>
               </a14:hiddenFill>
             </a:ext>
             <a:ext uri="{91240B29-F687-4F45-9708-019B960494DF}">
-              <a14:hiddenLine xmlns:a14="http://schemas.microsoft.com/office/drawing/2010/main" xmlns="" w="9525">
+              <a14:hiddenLine xmlns:a14="http://schemas.microsoft.com/office/drawing/2010/main" w="9525">
                 <a:solidFill>
                   <a:schemeClr val="tx1"/>
                 </a:solidFill>
@@ -15608,7 +15607,7 @@
               </a14:hiddenLine>
             </a:ext>
             <a:ext uri="{AF507438-7753-43E0-B8FC-AC1667EBCBE1}">
-              <a14:hiddenEffects xmlns:a14="http://schemas.microsoft.com/office/drawing/2010/main" xmlns="">
+              <a14:hiddenEffects xmlns:a14="http://schemas.microsoft.com/office/drawing/2010/main">
                 <a:effectLst>
                   <a:outerShdw dist="35921" dir="2700000" algn="ctr" rotWithShape="0">
                     <a:schemeClr val="bg2"/>
@@ -15622,7 +15621,7 @@
     </p:spTree>
     <p:extLst>
       <p:ext uri="{BB962C8B-B14F-4D97-AF65-F5344CB8AC3E}">
-        <p14:creationId xmlns:p14="http://schemas.microsoft.com/office/powerpoint/2010/main" xmlns="" val="1793966291"/>
+        <p14:creationId xmlns:p14="http://schemas.microsoft.com/office/powerpoint/2010/main" val="1793966291"/>
       </p:ext>
     </p:extLst>
   </p:cSld>
@@ -15694,7 +15693,7 @@
           <a:blip r:embed="rId2">
             <a:extLst>
               <a:ext uri="{28A0092B-C50C-407E-A947-70E740481C1C}">
-                <a14:useLocalDpi xmlns:a14="http://schemas.microsoft.com/office/drawing/2010/main" xmlns="" val="0"/>
+                <a14:useLocalDpi xmlns:a14="http://schemas.microsoft.com/office/drawing/2010/main" val="0"/>
               </a:ext>
             </a:extLst>
           </a:blip>
@@ -15718,14 +15717,14 @@
           <a:effectLst/>
           <a:extLst>
             <a:ext uri="{909E8E84-426E-40DD-AFC4-6F175D3DCCD1}">
-              <a14:hiddenFill xmlns:a14="http://schemas.microsoft.com/office/drawing/2010/main" xmlns="">
+              <a14:hiddenFill xmlns:a14="http://schemas.microsoft.com/office/drawing/2010/main">
                 <a:solidFill>
                   <a:schemeClr val="accent1"/>
                 </a:solidFill>
               </a14:hiddenFill>
             </a:ext>
             <a:ext uri="{91240B29-F687-4F45-9708-019B960494DF}">
-              <a14:hiddenLine xmlns:a14="http://schemas.microsoft.com/office/drawing/2010/main" xmlns="" w="9525">
+              <a14:hiddenLine xmlns:a14="http://schemas.microsoft.com/office/drawing/2010/main" w="9525">
                 <a:solidFill>
                   <a:schemeClr val="tx1"/>
                 </a:solidFill>
@@ -15735,7 +15734,7 @@
               </a14:hiddenLine>
             </a:ext>
             <a:ext uri="{AF507438-7753-43E0-B8FC-AC1667EBCBE1}">
-              <a14:hiddenEffects xmlns:a14="http://schemas.microsoft.com/office/drawing/2010/main" xmlns="">
+              <a14:hiddenEffects xmlns:a14="http://schemas.microsoft.com/office/drawing/2010/main">
                 <a:effectLst>
                   <a:outerShdw dist="35921" dir="2700000" algn="ctr" rotWithShape="0">
                     <a:schemeClr val="bg2"/>
@@ -15749,7 +15748,7 @@
     </p:spTree>
     <p:extLst>
       <p:ext uri="{BB962C8B-B14F-4D97-AF65-F5344CB8AC3E}">
-        <p14:creationId xmlns:p14="http://schemas.microsoft.com/office/powerpoint/2010/main" xmlns="" val="1401300339"/>
+        <p14:creationId xmlns:p14="http://schemas.microsoft.com/office/powerpoint/2010/main" val="1401300339"/>
       </p:ext>
     </p:extLst>
   </p:cSld>
@@ -15818,7 +15817,7 @@
           <a:blip r:embed="rId2">
             <a:extLst>
               <a:ext uri="{28A0092B-C50C-407E-A947-70E740481C1C}">
-                <a14:useLocalDpi xmlns:a14="http://schemas.microsoft.com/office/drawing/2010/main" xmlns="" val="0"/>
+                <a14:useLocalDpi xmlns:a14="http://schemas.microsoft.com/office/drawing/2010/main" val="0"/>
               </a:ext>
             </a:extLst>
           </a:blip>
@@ -15842,14 +15841,14 @@
           <a:effectLst/>
           <a:extLst>
             <a:ext uri="{909E8E84-426E-40DD-AFC4-6F175D3DCCD1}">
-              <a14:hiddenFill xmlns:a14="http://schemas.microsoft.com/office/drawing/2010/main" xmlns="">
+              <a14:hiddenFill xmlns:a14="http://schemas.microsoft.com/office/drawing/2010/main">
                 <a:solidFill>
                   <a:schemeClr val="accent1"/>
                 </a:solidFill>
               </a14:hiddenFill>
             </a:ext>
             <a:ext uri="{91240B29-F687-4F45-9708-019B960494DF}">
-              <a14:hiddenLine xmlns:a14="http://schemas.microsoft.com/office/drawing/2010/main" xmlns="" w="9525">
+              <a14:hiddenLine xmlns:a14="http://schemas.microsoft.com/office/drawing/2010/main" w="9525">
                 <a:solidFill>
                   <a:schemeClr val="tx1"/>
                 </a:solidFill>
@@ -15859,7 +15858,7 @@
               </a14:hiddenLine>
             </a:ext>
             <a:ext uri="{AF507438-7753-43E0-B8FC-AC1667EBCBE1}">
-              <a14:hiddenEffects xmlns:a14="http://schemas.microsoft.com/office/drawing/2010/main" xmlns="">
+              <a14:hiddenEffects xmlns:a14="http://schemas.microsoft.com/office/drawing/2010/main">
                 <a:effectLst>
                   <a:outerShdw dist="35921" dir="2700000" algn="ctr" rotWithShape="0">
                     <a:schemeClr val="bg2"/>
@@ -15873,7 +15872,7 @@
     </p:spTree>
     <p:extLst>
       <p:ext uri="{BB962C8B-B14F-4D97-AF65-F5344CB8AC3E}">
-        <p14:creationId xmlns:p14="http://schemas.microsoft.com/office/powerpoint/2010/main" xmlns="" val="1369862995"/>
+        <p14:creationId xmlns:p14="http://schemas.microsoft.com/office/powerpoint/2010/main" val="1369862995"/>
       </p:ext>
     </p:extLst>
   </p:cSld>
@@ -15924,7 +15923,7 @@
           <a:p>
             <a:pPr algn="ctr"/>
             <a:r>
-              <a:rPr lang="en-IN" b="1" dirty="0" smtClean="0"/>
+              <a:rPr lang="en-IN" b="1" dirty="0"/>
               <a:t>Strategic Planning</a:t>
             </a:r>
             <a:endParaRPr lang="en-IN" dirty="0"/>
@@ -15963,7 +15962,7 @@
               <a:buNone/>
             </a:pPr>
             <a:r>
-              <a:rPr lang="en-IN" dirty="0" smtClean="0"/>
+              <a:rPr lang="en-IN" dirty="0"/>
               <a:t>It deals with creating range of scenarios to cover different situations in terms of favourability – an optimistic scenario, a pessimistic one and one in between these two. Probabilities of occurrence are assigned to each of them. </a:t>
             </a:r>
           </a:p>
@@ -15978,10 +15977,9 @@
               <a:buNone/>
             </a:pPr>
             <a:r>
-              <a:rPr lang="en-IN" dirty="0" smtClean="0"/>
+              <a:rPr lang="en-IN" dirty="0"/>
               <a:t>Contingency planning is another technique, which in a way supplements the scenario planning. It requires plans to be made for possible damaging combinations of events. For example, construction of nuclear power centres in seismic zones may require contingency plans to be included in case of a disaster.</a:t>
             </a:r>
-            <a:endParaRPr lang="en-IN" dirty="0"/>
           </a:p>
         </p:txBody>
       </p:sp>
@@ -16032,10 +16030,9 @@
           <a:p>
             <a:pPr algn="ctr"/>
             <a:r>
-              <a:rPr lang="en-IN" b="1" dirty="0" smtClean="0"/>
+              <a:rPr lang="en-IN" b="1" dirty="0"/>
               <a:t>Strategic Management</a:t>
             </a:r>
-            <a:endParaRPr lang="en-IN" b="1" dirty="0"/>
           </a:p>
         </p:txBody>
       </p:sp>
@@ -16066,7 +16063,7 @@
               <a:buNone/>
             </a:pPr>
             <a:r>
-              <a:rPr lang="en-IN" sz="2800" dirty="0" smtClean="0"/>
+              <a:rPr lang="en-IN" sz="2800" dirty="0"/>
               <a:t>The strategic management process of four phases:</a:t>
             </a:r>
           </a:p>
@@ -16081,15 +16078,15 @@
               <a:buNone/>
             </a:pPr>
             <a:r>
-              <a:rPr lang="en-IN" sz="2800" dirty="0" smtClean="0"/>
+              <a:rPr lang="en-IN" sz="2800" dirty="0"/>
               <a:t> </a:t>
             </a:r>
             <a:r>
-              <a:rPr lang="en-IN" sz="2800" dirty="0" err="1" smtClean="0"/>
+              <a:rPr lang="en-IN" sz="2800" dirty="0" err="1"/>
               <a:t>i</a:t>
             </a:r>
             <a:r>
-              <a:rPr lang="en-IN" sz="2800" dirty="0" smtClean="0"/>
+              <a:rPr lang="en-IN" sz="2800" dirty="0"/>
               <a:t>) Strategic Assessment</a:t>
             </a:r>
           </a:p>
@@ -16104,7 +16101,7 @@
               <a:buNone/>
             </a:pPr>
             <a:r>
-              <a:rPr lang="en-IN" sz="2800" dirty="0" smtClean="0"/>
+              <a:rPr lang="en-IN" sz="2800" dirty="0"/>
               <a:t> ii) Strategic Planning </a:t>
             </a:r>
           </a:p>
@@ -16119,7 +16116,7 @@
               <a:buNone/>
             </a:pPr>
             <a:r>
-              <a:rPr lang="en-IN" sz="2800" dirty="0" smtClean="0"/>
+              <a:rPr lang="en-IN" sz="2800" dirty="0"/>
               <a:t>iii) Strategy Implementation </a:t>
             </a:r>
           </a:p>
@@ -16134,10 +16131,9 @@
               <a:buNone/>
             </a:pPr>
             <a:r>
-              <a:rPr lang="en-IN" sz="2800" dirty="0" smtClean="0"/>
+              <a:rPr lang="en-IN" sz="2800" dirty="0"/>
               <a:t>iv) Performance Evaluation </a:t>
             </a:r>
-            <a:endParaRPr lang="en-IN" sz="2800" dirty="0"/>
           </a:p>
         </p:txBody>
       </p:sp>
@@ -16190,7 +16186,7 @@
           <a:p>
             <a:pPr algn="ctr"/>
             <a:r>
-              <a:rPr lang="en-IN" b="1" dirty="0" smtClean="0"/>
+              <a:rPr lang="en-IN" b="1" dirty="0"/>
               <a:t>Strategic Implementation</a:t>
             </a:r>
             <a:endParaRPr lang="en-IN" dirty="0"/>
@@ -16229,7 +16225,7 @@
               <a:buNone/>
             </a:pPr>
             <a:r>
-              <a:rPr lang="en-IN" sz="1600" dirty="0" smtClean="0"/>
+              <a:rPr lang="en-IN" sz="1600" dirty="0"/>
               <a:t>This involves executing the chosen strategy effectively and efficiently. It encompasses: </a:t>
             </a:r>
           </a:p>
@@ -16245,7 +16241,7 @@
               <a:buAutoNum type="arabicPeriod"/>
             </a:pPr>
             <a:r>
-              <a:rPr lang="en-IN" sz="1600" dirty="0" smtClean="0"/>
+              <a:rPr lang="en-IN" sz="1600" dirty="0"/>
               <a:t>Allocation of sufficient resources- financial, personnel, infrastructure</a:t>
             </a:r>
           </a:p>
@@ -16261,7 +16257,7 @@
               <a:buAutoNum type="arabicPeriod"/>
             </a:pPr>
             <a:r>
-              <a:rPr lang="en-IN" sz="1600" dirty="0" smtClean="0"/>
+              <a:rPr lang="en-IN" sz="1600" dirty="0"/>
               <a:t>Establishing a chain of command or structure to carry out tasks efficiently.</a:t>
             </a:r>
           </a:p>
@@ -16277,7 +16273,7 @@
               <a:buAutoNum type="arabicPeriod"/>
             </a:pPr>
             <a:r>
-              <a:rPr lang="en-IN" sz="1600" dirty="0" smtClean="0"/>
+              <a:rPr lang="en-IN" sz="1600" dirty="0"/>
               <a:t>Assigning responsibility for specific tasks or processes to specific individuals or groups.</a:t>
             </a:r>
           </a:p>
@@ -16293,7 +16289,7 @@
               <a:buAutoNum type="arabicPeriod"/>
             </a:pPr>
             <a:r>
-              <a:rPr lang="en-IN" sz="1600" dirty="0" smtClean="0"/>
+              <a:rPr lang="en-IN" sz="1600" dirty="0"/>
               <a:t>Managing the process, which includes monitoring results, comparing them with benchmarks and best practices, evaluating the efficacy and efficiency of the process, controlling for variances, and making adjustments to the process as necessary.</a:t>
             </a:r>
           </a:p>
@@ -16348,10 +16344,9 @@
           <a:p>
             <a:pPr algn="ctr"/>
             <a:r>
-              <a:rPr lang="en-IN" b="1" dirty="0" smtClean="0"/>
+              <a:rPr lang="en-IN" b="1" dirty="0"/>
               <a:t>Performance Evaluation</a:t>
             </a:r>
-            <a:endParaRPr lang="en-IN" b="1" dirty="0"/>
           </a:p>
         </p:txBody>
       </p:sp>
@@ -16387,16 +16382,8 @@
               <a:buNone/>
             </a:pPr>
             <a:r>
-              <a:rPr lang="en-IN" sz="1800" dirty="0" smtClean="0"/>
-              <a:t>Strategy formation and implementation is an on-going, never-ending, integrated process requiring continuous reassessment and reformation. Performance evaluation system </a:t>
-            </a:r>
-            <a:r>
-              <a:rPr lang="en-IN" sz="1800" dirty="0" smtClean="0"/>
-              <a:t>compares </a:t>
-            </a:r>
-            <a:r>
-              <a:rPr lang="en-IN" sz="1800" dirty="0" smtClean="0"/>
-              <a:t>actual results and desired results. This subsequently enables the strategists in modifying or introducing corrections in the plan, strategies, resources, and timing, as circumstances warrant. </a:t>
+              <a:rPr lang="en-IN" sz="1800" dirty="0"/>
+              <a:t>Strategy formation and implementation is an on-going, never-ending, integrated process requiring continuous reassessment and reformation. Performance evaluation system compares actual results and desired results. This subsequently enables the strategists in modifying or introducing corrections in the plan, strategies, resources, and timing, as circumstances warrant. </a:t>
             </a:r>
           </a:p>
           <a:p>
@@ -16410,10 +16397,9 @@
               <a:buNone/>
             </a:pPr>
             <a:r>
-              <a:rPr lang="en-IN" sz="1800" dirty="0" smtClean="0"/>
+              <a:rPr lang="en-IN" sz="1800" dirty="0"/>
               <a:t>A system is established to monitor use of resources by the organisation and its efficacy. The monitoring and reporting system is continuous, with periodic output reviewed by teams. However, major evaluations may be conducted on a rather long term basis.</a:t>
             </a:r>
-            <a:endParaRPr lang="en-IN" sz="1800" dirty="0"/>
           </a:p>
         </p:txBody>
       </p:sp>
@@ -16492,7 +16478,7 @@
           <a:blip r:embed="rId2">
             <a:extLst>
               <a:ext uri="{28A0092B-C50C-407E-A947-70E740481C1C}">
-                <a14:useLocalDpi xmlns:a14="http://schemas.microsoft.com/office/drawing/2010/main" xmlns="" val="0"/>
+                <a14:useLocalDpi xmlns:a14="http://schemas.microsoft.com/office/drawing/2010/main" val="0"/>
               </a:ext>
             </a:extLst>
           </a:blip>
@@ -16516,14 +16502,14 @@
           <a:effectLst/>
           <a:extLst>
             <a:ext uri="{909E8E84-426E-40DD-AFC4-6F175D3DCCD1}">
-              <a14:hiddenFill xmlns:a14="http://schemas.microsoft.com/office/drawing/2010/main" xmlns="">
+              <a14:hiddenFill xmlns:a14="http://schemas.microsoft.com/office/drawing/2010/main">
                 <a:solidFill>
                   <a:schemeClr val="accent1"/>
                 </a:solidFill>
               </a14:hiddenFill>
             </a:ext>
             <a:ext uri="{91240B29-F687-4F45-9708-019B960494DF}">
-              <a14:hiddenLine xmlns:a14="http://schemas.microsoft.com/office/drawing/2010/main" xmlns="" w="9525">
+              <a14:hiddenLine xmlns:a14="http://schemas.microsoft.com/office/drawing/2010/main" w="9525">
                 <a:solidFill>
                   <a:schemeClr val="tx1"/>
                 </a:solidFill>
@@ -16533,7 +16519,7 @@
               </a14:hiddenLine>
             </a:ext>
             <a:ext uri="{AF507438-7753-43E0-B8FC-AC1667EBCBE1}">
-              <a14:hiddenEffects xmlns:a14="http://schemas.microsoft.com/office/drawing/2010/main" xmlns="">
+              <a14:hiddenEffects xmlns:a14="http://schemas.microsoft.com/office/drawing/2010/main">
                 <a:effectLst>
                   <a:outerShdw dist="35921" dir="2700000" algn="ctr" rotWithShape="0">
                     <a:schemeClr val="bg2"/>
@@ -16547,7 +16533,7 @@
     </p:spTree>
     <p:extLst>
       <p:ext uri="{BB962C8B-B14F-4D97-AF65-F5344CB8AC3E}">
-        <p14:creationId xmlns:p14="http://schemas.microsoft.com/office/powerpoint/2010/main" xmlns="" val="1384517445"/>
+        <p14:creationId xmlns:p14="http://schemas.microsoft.com/office/powerpoint/2010/main" val="1384517445"/>
       </p:ext>
     </p:extLst>
   </p:cSld>
@@ -16598,10 +16584,9 @@
           <a:p>
             <a:pPr algn="ctr"/>
             <a:r>
-              <a:rPr lang="en-IN" b="1" dirty="0" smtClean="0"/>
+              <a:rPr lang="en-IN" b="1" dirty="0"/>
               <a:t>Strategic Assessment</a:t>
             </a:r>
-            <a:endParaRPr lang="en-IN" b="1" dirty="0"/>
           </a:p>
         </p:txBody>
       </p:sp>
@@ -16637,11 +16622,11 @@
               <a:buNone/>
             </a:pPr>
             <a:r>
-              <a:rPr lang="en-IN" sz="2000" b="1" dirty="0" smtClean="0"/>
+              <a:rPr lang="en-IN" sz="2000" b="1" dirty="0"/>
               <a:t>a. Anticipating Environmental Change:</a:t>
             </a:r>
             <a:r>
-              <a:rPr lang="en-IN" sz="2000" dirty="0" smtClean="0"/>
+              <a:rPr lang="en-IN" sz="2000" dirty="0"/>
               <a:t> It makes clear why maintaining the status quo is not a viable option for the future. </a:t>
             </a:r>
           </a:p>
@@ -16656,11 +16641,11 @@
               <a:buNone/>
             </a:pPr>
             <a:r>
-              <a:rPr lang="en-IN" sz="2000" i="1" dirty="0" smtClean="0"/>
+              <a:rPr lang="en-IN" sz="2000" i="1" dirty="0"/>
               <a:t>Social</a:t>
             </a:r>
             <a:r>
-              <a:rPr lang="en-IN" sz="2000" dirty="0" smtClean="0"/>
+              <a:rPr lang="en-IN" sz="2000" dirty="0"/>
               <a:t>: This covers the target clientele, their value systems, their aspiration levels, how they are organised, and the ‘power’ they can exercise over the decision making process. </a:t>
             </a:r>
           </a:p>
@@ -16675,14 +16660,13 @@
               <a:buNone/>
             </a:pPr>
             <a:r>
-              <a:rPr lang="en-IN" sz="2000" i="1" dirty="0" smtClean="0"/>
+              <a:rPr lang="en-IN" sz="2000" i="1" dirty="0"/>
               <a:t>Technical</a:t>
             </a:r>
             <a:r>
-              <a:rPr lang="en-IN" sz="2000" dirty="0" smtClean="0"/>
+              <a:rPr lang="en-IN" sz="2000" dirty="0"/>
               <a:t>: This encompasses the technological developments which may require alteration or altogether abandonment of organisational objectives.</a:t>
             </a:r>
-            <a:endParaRPr lang="en-IN" sz="2000" dirty="0"/>
           </a:p>
         </p:txBody>
       </p:sp>
@@ -16733,7 +16717,7 @@
           <a:p>
             <a:pPr algn="ctr"/>
             <a:r>
-              <a:rPr lang="en-IN" b="1" dirty="0" smtClean="0"/>
+              <a:rPr lang="en-IN" b="1" dirty="0"/>
               <a:t>Strategic Assessment</a:t>
             </a:r>
             <a:endParaRPr lang="en-IN" dirty="0"/>
@@ -16772,11 +16756,11 @@
               <a:buNone/>
             </a:pPr>
             <a:r>
-              <a:rPr lang="en-IN" sz="2800" i="1" dirty="0" smtClean="0"/>
+              <a:rPr lang="en-IN" sz="2800" i="1" dirty="0"/>
               <a:t>Economic: </a:t>
             </a:r>
             <a:r>
-              <a:rPr lang="en-IN" sz="2800" dirty="0" smtClean="0"/>
+              <a:rPr lang="en-IN" sz="2800" dirty="0"/>
               <a:t>This refers to changes in the economy generally but also to disparities in income, higher unemployment or diminishing resources. </a:t>
             </a:r>
           </a:p>
@@ -16791,11 +16775,11 @@
               <a:buNone/>
             </a:pPr>
             <a:r>
-              <a:rPr lang="en-IN" sz="2800" i="1" dirty="0" smtClean="0"/>
+              <a:rPr lang="en-IN" sz="2800" i="1" dirty="0"/>
               <a:t>Political:</a:t>
             </a:r>
             <a:r>
-              <a:rPr lang="en-IN" sz="2800" dirty="0" smtClean="0"/>
+              <a:rPr lang="en-IN" sz="2800" dirty="0"/>
               <a:t> This includes international agreements, domestic legislation, political values etc. </a:t>
             </a:r>
           </a:p>
@@ -17001,10 +16985,9 @@
           <a:p>
             <a:pPr algn="ctr"/>
             <a:r>
-              <a:rPr lang="en-IN" b="1" dirty="0" smtClean="0"/>
+              <a:rPr lang="en-IN" b="1" dirty="0"/>
               <a:t>b. Strategic Analysis</a:t>
             </a:r>
-            <a:endParaRPr lang="en-IN" b="1" dirty="0"/>
           </a:p>
         </p:txBody>
       </p:sp>
@@ -17035,10 +17018,9 @@
               <a:buNone/>
             </a:pPr>
             <a:r>
-              <a:rPr lang="en-IN" dirty="0" smtClean="0"/>
+              <a:rPr lang="en-IN" dirty="0"/>
               <a:t>The Strengths, Weaknesses, Opportunities and Threats (SWOT) analysis is a useful and powerful tool to analyse consequences of environmental change for the organisation. The role of SWOT analysis is to take the information from the environmental analysis and separate it into internal issues (strengths and weaknesses) and external issues (opportunities and threats).</a:t>
             </a:r>
-            <a:endParaRPr lang="en-IN" dirty="0"/>
           </a:p>
         </p:txBody>
       </p:sp>
